--- a/project/Greener Pastures Presentation.pptx
+++ b/project/Greener Pastures Presentation.pptx
@@ -122,6 +122,11 @@
       </a:defRPr>
     </a:lvl9pPr>
   </p:defaultTextStyle>
+  <p:extLst>
+    <p:ext uri="{EFAFB233-063F-42B5-8137-9DF3F51BA10A}">
+      <p15:sldGuideLst xmlns:p15="http://schemas.microsoft.com/office/powerpoint/2012/main"/>
+    </p:ext>
+  </p:extLst>
 </p:presentation>
 </file>
 
@@ -207,7 +212,7 @@
           <a:p>
             <a:fld id="{BADACD31-55EB-4940-B5F2-1BFD331A409E}" type="datetimeFigureOut">
               <a:rPr lang="en-US" smtClean="0"/>
-              <a:t>3/13/2021</a:t>
+              <a:t>3/16/2021</a:t>
             </a:fld>
             <a:endParaRPr lang="en-US"/>
           </a:p>
@@ -705,7 +710,7 @@
           <a:p>
             <a:fld id="{597BAA96-6287-42A9-B39E-94F29372BF1F}" type="datetime1">
               <a:rPr lang="en-US" smtClean="0"/>
-              <a:t>3/13/2021</a:t>
+              <a:t>3/16/2021</a:t>
             </a:fld>
             <a:endParaRPr lang="en-US"/>
           </a:p>
@@ -906,7 +911,7 @@
           <a:p>
             <a:fld id="{162BD1F7-D098-419A-937C-D995EB1BC957}" type="datetime1">
               <a:rPr lang="en-US" smtClean="0"/>
-              <a:t>3/13/2021</a:t>
+              <a:t>3/16/2021</a:t>
             </a:fld>
             <a:endParaRPr lang="en-US"/>
           </a:p>
@@ -1117,7 +1122,7 @@
           <a:p>
             <a:fld id="{973A5072-DED0-4D8E-B2A5-9553DB3E38B2}" type="datetime1">
               <a:rPr lang="en-US" smtClean="0"/>
-              <a:t>3/13/2021</a:t>
+              <a:t>3/16/2021</a:t>
             </a:fld>
             <a:endParaRPr lang="en-US"/>
           </a:p>
@@ -1318,7 +1323,7 @@
           <a:p>
             <a:fld id="{6146D1FF-260E-4A94-BB83-EB96CE7E8E64}" type="datetime1">
               <a:rPr lang="en-US" smtClean="0"/>
-              <a:t>3/13/2021</a:t>
+              <a:t>3/16/2021</a:t>
             </a:fld>
             <a:endParaRPr lang="en-US"/>
           </a:p>
@@ -1596,7 +1601,7 @@
           <a:p>
             <a:fld id="{88FC3493-D6B6-48E1-B1B9-B639B6467862}" type="datetime1">
               <a:rPr lang="en-US" smtClean="0"/>
-              <a:t>3/13/2021</a:t>
+              <a:t>3/16/2021</a:t>
             </a:fld>
             <a:endParaRPr lang="en-US"/>
           </a:p>
@@ -1864,7 +1869,7 @@
           <a:p>
             <a:fld id="{7AE2F271-9EAA-4B5C-96AA-F7EA4C818187}" type="datetime1">
               <a:rPr lang="en-US" smtClean="0"/>
-              <a:t>3/13/2021</a:t>
+              <a:t>3/16/2021</a:t>
             </a:fld>
             <a:endParaRPr lang="en-US"/>
           </a:p>
@@ -2279,7 +2284,7 @@
           <a:p>
             <a:fld id="{0687761D-1DA3-4ED8-BA9D-0BF72FD0AC4B}" type="datetime1">
               <a:rPr lang="en-US" smtClean="0"/>
-              <a:t>3/13/2021</a:t>
+              <a:t>3/16/2021</a:t>
             </a:fld>
             <a:endParaRPr lang="en-US"/>
           </a:p>
@@ -2423,7 +2428,7 @@
           <a:p>
             <a:fld id="{1D289A14-0362-469E-8374-EFFF8DB27881}" type="datetime1">
               <a:rPr lang="en-US" smtClean="0"/>
-              <a:t>3/13/2021</a:t>
+              <a:t>3/16/2021</a:t>
             </a:fld>
             <a:endParaRPr lang="en-US"/>
           </a:p>
@@ -2539,7 +2544,7 @@
           <a:p>
             <a:fld id="{72D1495F-A220-44D7-915A-EF587984A2EF}" type="datetime1">
               <a:rPr lang="en-US" smtClean="0"/>
-              <a:t>3/13/2021</a:t>
+              <a:t>3/16/2021</a:t>
             </a:fld>
             <a:endParaRPr lang="en-US"/>
           </a:p>
@@ -2853,7 +2858,7 @@
           <a:p>
             <a:fld id="{8BFF4577-4876-4BBC-A97C-3A20E4D9E748}" type="datetime1">
               <a:rPr lang="en-US" smtClean="0"/>
-              <a:t>3/13/2021</a:t>
+              <a:t>3/16/2021</a:t>
             </a:fld>
             <a:endParaRPr lang="en-US"/>
           </a:p>
@@ -3144,7 +3149,7 @@
           <a:p>
             <a:fld id="{CB97DB99-6366-49FC-870C-65B25CE283CF}" type="datetime1">
               <a:rPr lang="en-US" smtClean="0"/>
-              <a:t>3/13/2021</a:t>
+              <a:t>3/16/2021</a:t>
             </a:fld>
             <a:endParaRPr lang="en-US"/>
           </a:p>
@@ -3388,7 +3393,7 @@
           <a:p>
             <a:fld id="{AFE7E984-D810-4089-A2BF-5FBD739048AA}" type="datetime1">
               <a:rPr lang="en-US" smtClean="0"/>
-              <a:t>3/13/2021</a:t>
+              <a:t>3/16/2021</a:t>
             </a:fld>
             <a:endParaRPr lang="en-US"/>
           </a:p>
@@ -6580,7 +6585,7 @@
                   <a:ea typeface="Calibri" panose="020F0502020204030204" pitchFamily="34" charset="0"/>
                   <a:cs typeface="Times New Roman" panose="02020603050405020304" pitchFamily="18" charset="0"/>
                 </a:rPr>
-                <a:t>Economically</a:t>
+                <a:t>Economics</a:t>
               </a:r>
             </a:p>
             <a:p>
@@ -6678,7 +6683,7 @@
                   <a:ea typeface="Calibri" panose="020F0502020204030204" pitchFamily="34" charset="0"/>
                   <a:cs typeface="Times New Roman" panose="02020603050405020304" pitchFamily="18" charset="0"/>
                 </a:rPr>
-                <a:t>Safer</a:t>
+                <a:t>Safety</a:t>
               </a:r>
             </a:p>
             <a:p>
@@ -7325,7 +7330,7 @@
                   <a:ea typeface="Calibri" panose="020F0502020204030204" pitchFamily="34" charset="0"/>
                   <a:cs typeface="Times New Roman" panose="02020603050405020304" pitchFamily="18" charset="0"/>
                 </a:rPr>
-                <a:t>Economically</a:t>
+                <a:t>Economics</a:t>
               </a:r>
             </a:p>
             <a:p>
@@ -7434,7 +7439,7 @@
                   <a:ea typeface="Calibri" panose="020F0502020204030204" pitchFamily="34" charset="0"/>
                   <a:cs typeface="Times New Roman" panose="02020603050405020304" pitchFamily="18" charset="0"/>
                 </a:rPr>
-                <a:t>Safer</a:t>
+                <a:t>Safety</a:t>
               </a:r>
             </a:p>
             <a:p>
@@ -7461,7 +7466,7 @@
               </a:r>
             </a:p>
             <a:p>
-              <a:pPr marR="0" lvl="2">
+              <a:pPr marR="0" lvl="2" algn="r">
                 <a:lnSpc>
                   <a:spcPct val="107000"/>
                 </a:lnSpc>
@@ -7483,7 +7488,7 @@
               </a:r>
             </a:p>
             <a:p>
-              <a:pPr marR="0" lvl="2">
+              <a:pPr marR="0" lvl="2" algn="r">
                 <a:lnSpc>
                   <a:spcPct val="107000"/>
                 </a:lnSpc>
@@ -7506,7 +7511,7 @@
               </a:r>
             </a:p>
             <a:p>
-              <a:pPr marR="0" lvl="2">
+              <a:pPr marR="0" lvl="2" algn="r">
                 <a:lnSpc>
                   <a:spcPct val="107000"/>
                 </a:lnSpc>
@@ -7523,7 +7528,7 @@
               </a:endParaRPr>
             </a:p>
             <a:p>
-              <a:pPr lvl="2">
+              <a:pPr lvl="2" algn="r">
                 <a:lnSpc>
                   <a:spcPct val="107000"/>
                 </a:lnSpc>
@@ -7539,7 +7544,7 @@
               </a:r>
             </a:p>
             <a:p>
-              <a:pPr lvl="2">
+              <a:pPr lvl="2" algn="r">
                 <a:lnSpc>
                   <a:spcPct val="107000"/>
                 </a:lnSpc>
@@ -7556,7 +7561,7 @@
               </a:r>
             </a:p>
             <a:p>
-              <a:pPr lvl="2">
+              <a:pPr lvl="2" algn="r">
                 <a:lnSpc>
                   <a:spcPct val="107000"/>
                 </a:lnSpc>
@@ -7567,7 +7572,7 @@
               </a:endParaRPr>
             </a:p>
             <a:p>
-              <a:pPr marR="0" lvl="2">
+              <a:pPr marR="0" lvl="2" algn="r">
                 <a:lnSpc>
                   <a:spcPct val="107000"/>
                 </a:lnSpc>
@@ -7589,7 +7594,7 @@
               </a:r>
             </a:p>
             <a:p>
-              <a:pPr marR="0" lvl="2">
+              <a:pPr marR="0" lvl="2" algn="r">
                 <a:lnSpc>
                   <a:spcPct val="107000"/>
                 </a:lnSpc>
@@ -8615,8 +8620,21 @@
                   <a:srgbClr val="00B050"/>
                 </a:solidFill>
               </a:rPr>
-              <a:t>	Slide title</a:t>
-            </a:r>
+              <a:t>	Slide title </a:t>
+            </a:r>
+            <a:r>
+              <a:rPr lang="en-US" sz="4400" dirty="0" err="1">
+                <a:solidFill>
+                  <a:srgbClr val="00B050"/>
+                </a:solidFill>
+              </a:rPr>
+              <a:t>xxxxx</a:t>
+            </a:r>
+            <a:endParaRPr lang="en-US" sz="4400" dirty="0">
+              <a:solidFill>
+                <a:srgbClr val="00B050"/>
+              </a:solidFill>
+            </a:endParaRPr>
           </a:p>
         </p:txBody>
       </p:sp>
@@ -10044,10 +10062,10 @@
         </p:nvGrpSpPr>
         <p:grpSpPr>
           <a:xfrm>
-            <a:off x="12445" y="1382260"/>
-            <a:ext cx="11887200" cy="3204292"/>
-            <a:chOff x="7504755" y="1260389"/>
-            <a:chExt cx="11887200" cy="3204293"/>
+            <a:off x="104312" y="1382260"/>
+            <a:ext cx="11795333" cy="3204292"/>
+            <a:chOff x="7596622" y="1260389"/>
+            <a:chExt cx="11795333" cy="3204293"/>
           </a:xfrm>
         </p:grpSpPr>
         <p:sp>
@@ -10141,8 +10159,8 @@
           </p:nvSpPr>
           <p:spPr>
             <a:xfrm>
-              <a:off x="7504755" y="3849129"/>
-              <a:ext cx="2345267" cy="615553"/>
+              <a:off x="7596622" y="3849129"/>
+              <a:ext cx="2140563" cy="615553"/>
             </a:xfrm>
             <a:prstGeom prst="rect">
               <a:avLst/>
@@ -10179,7 +10197,7 @@
                     </a:extLst>
                   </a:hlinkClick>
                 </a:rPr>
-                <a:t>@gmail.com</a:t>
+                <a:t>kylepavelka1@gmail.com</a:t>
               </a:r>
               <a:endParaRPr lang="en-US" sz="1400" dirty="0"/>
             </a:p>
@@ -10473,8 +10491,8 @@
           </p:nvSpPr>
           <p:spPr>
             <a:xfrm>
-              <a:off x="4917144" y="3844852"/>
-              <a:ext cx="2345267" cy="615553"/>
+              <a:off x="4786538" y="3844852"/>
+              <a:ext cx="2594030" cy="615553"/>
             </a:xfrm>
             <a:prstGeom prst="rect">
               <a:avLst/>
@@ -10499,6 +10517,20 @@
             </a:p>
             <a:p>
               <a:pPr algn="ctr"/>
+              <a:r>
+                <a:rPr lang="en-US" sz="1400" b="0" i="0" u="none" strike="noStrike" dirty="0">
+                  <a:effectLst/>
+                  <a:latin typeface="Slack-Lato"/>
+                  <a:hlinkClick r:id="rId10">
+                    <a:extLst>
+                      <a:ext uri="{A12FA001-AC4F-418D-AE19-62706E023703}">
+                        <ahyp:hlinkClr xmlns:ahyp="http://schemas.microsoft.com/office/drawing/2018/hyperlinkcolor" val="tx"/>
+                      </a:ext>
+                    </a:extLst>
+                  </a:hlinkClick>
+                </a:rPr>
+                <a:t>matthewbrown84</a:t>
+              </a:r>
               <a:r>
                 <a:rPr lang="en-US" sz="1400" b="0" i="0" u="sng" dirty="0">
                   <a:effectLst/>
